--- a/Share/0. 진행 플로우/게임 플로우.pptx
+++ b/Share/0. 진행 플로우/게임 플로우.pptx
@@ -109,6 +109,11 @@
       </a:defRPr>
     </a:lvl9pPr>
   </p:defaultTextStyle>
+  <p:extLst>
+    <p:ext uri="{EFAFB233-063F-42B5-8137-9DF3F51BA10A}">
+      <p15:sldGuideLst xmlns:p15="http://schemas.microsoft.com/office/powerpoint/2012/main"/>
+    </p:ext>
+  </p:extLst>
 </p:presentation>
 </file>
 
@@ -259,7 +264,7 @@
           <a:p>
             <a:fld id="{FD48AFAA-DF01-4634-9B04-F78BA632F8D8}" type="datetimeFigureOut">
               <a:rPr lang="ko-KR" altLang="en-US" smtClean="0"/>
-              <a:t>2025-02-11</a:t>
+              <a:t>2025-02-23</a:t>
             </a:fld>
             <a:endParaRPr lang="ko-KR" altLang="en-US"/>
           </a:p>
@@ -457,7 +462,7 @@
           <a:p>
             <a:fld id="{FD48AFAA-DF01-4634-9B04-F78BA632F8D8}" type="datetimeFigureOut">
               <a:rPr lang="ko-KR" altLang="en-US" smtClean="0"/>
-              <a:t>2025-02-11</a:t>
+              <a:t>2025-02-23</a:t>
             </a:fld>
             <a:endParaRPr lang="ko-KR" altLang="en-US"/>
           </a:p>
@@ -665,7 +670,7 @@
           <a:p>
             <a:fld id="{FD48AFAA-DF01-4634-9B04-F78BA632F8D8}" type="datetimeFigureOut">
               <a:rPr lang="ko-KR" altLang="en-US" smtClean="0"/>
-              <a:t>2025-02-11</a:t>
+              <a:t>2025-02-23</a:t>
             </a:fld>
             <a:endParaRPr lang="ko-KR" altLang="en-US"/>
           </a:p>
@@ -863,7 +868,7 @@
           <a:p>
             <a:fld id="{FD48AFAA-DF01-4634-9B04-F78BA632F8D8}" type="datetimeFigureOut">
               <a:rPr lang="ko-KR" altLang="en-US" smtClean="0"/>
-              <a:t>2025-02-11</a:t>
+              <a:t>2025-02-23</a:t>
             </a:fld>
             <a:endParaRPr lang="ko-KR" altLang="en-US"/>
           </a:p>
@@ -1138,7 +1143,7 @@
           <a:p>
             <a:fld id="{FD48AFAA-DF01-4634-9B04-F78BA632F8D8}" type="datetimeFigureOut">
               <a:rPr lang="ko-KR" altLang="en-US" smtClean="0"/>
-              <a:t>2025-02-11</a:t>
+              <a:t>2025-02-23</a:t>
             </a:fld>
             <a:endParaRPr lang="ko-KR" altLang="en-US"/>
           </a:p>
@@ -1403,7 +1408,7 @@
           <a:p>
             <a:fld id="{FD48AFAA-DF01-4634-9B04-F78BA632F8D8}" type="datetimeFigureOut">
               <a:rPr lang="ko-KR" altLang="en-US" smtClean="0"/>
-              <a:t>2025-02-11</a:t>
+              <a:t>2025-02-23</a:t>
             </a:fld>
             <a:endParaRPr lang="ko-KR" altLang="en-US"/>
           </a:p>
@@ -1815,7 +1820,7 @@
           <a:p>
             <a:fld id="{FD48AFAA-DF01-4634-9B04-F78BA632F8D8}" type="datetimeFigureOut">
               <a:rPr lang="ko-KR" altLang="en-US" smtClean="0"/>
-              <a:t>2025-02-11</a:t>
+              <a:t>2025-02-23</a:t>
             </a:fld>
             <a:endParaRPr lang="ko-KR" altLang="en-US"/>
           </a:p>
@@ -1956,7 +1961,7 @@
           <a:p>
             <a:fld id="{FD48AFAA-DF01-4634-9B04-F78BA632F8D8}" type="datetimeFigureOut">
               <a:rPr lang="ko-KR" altLang="en-US" smtClean="0"/>
-              <a:t>2025-02-11</a:t>
+              <a:t>2025-02-23</a:t>
             </a:fld>
             <a:endParaRPr lang="ko-KR" altLang="en-US"/>
           </a:p>
@@ -2069,7 +2074,7 @@
           <a:p>
             <a:fld id="{FD48AFAA-DF01-4634-9B04-F78BA632F8D8}" type="datetimeFigureOut">
               <a:rPr lang="ko-KR" altLang="en-US" smtClean="0"/>
-              <a:t>2025-02-11</a:t>
+              <a:t>2025-02-23</a:t>
             </a:fld>
             <a:endParaRPr lang="ko-KR" altLang="en-US"/>
           </a:p>
@@ -2380,7 +2385,7 @@
           <a:p>
             <a:fld id="{FD48AFAA-DF01-4634-9B04-F78BA632F8D8}" type="datetimeFigureOut">
               <a:rPr lang="ko-KR" altLang="en-US" smtClean="0"/>
-              <a:t>2025-02-11</a:t>
+              <a:t>2025-02-23</a:t>
             </a:fld>
             <a:endParaRPr lang="ko-KR" altLang="en-US"/>
           </a:p>
@@ -2668,7 +2673,7 @@
           <a:p>
             <a:fld id="{FD48AFAA-DF01-4634-9B04-F78BA632F8D8}" type="datetimeFigureOut">
               <a:rPr lang="ko-KR" altLang="en-US" smtClean="0"/>
-              <a:t>2025-02-11</a:t>
+              <a:t>2025-02-23</a:t>
             </a:fld>
             <a:endParaRPr lang="ko-KR" altLang="en-US"/>
           </a:p>
@@ -2909,7 +2914,7 @@
           <a:p>
             <a:fld id="{FD48AFAA-DF01-4634-9B04-F78BA632F8D8}" type="datetimeFigureOut">
               <a:rPr lang="ko-KR" altLang="en-US" smtClean="0"/>
-              <a:t>2025-02-11</a:t>
+              <a:t>2025-02-23</a:t>
             </a:fld>
             <a:endParaRPr lang="ko-KR" altLang="en-US"/>
           </a:p>
@@ -3717,7 +3722,7 @@
         </p:nvCxnSpPr>
         <p:spPr>
           <a:xfrm>
-            <a:off x="6280297" y="1198303"/>
+            <a:off x="7081273" y="1304629"/>
             <a:ext cx="765545" cy="0"/>
           </a:xfrm>
           <a:prstGeom prst="straightConnector1">
@@ -3756,7 +3761,7 @@
         </p:nvSpPr>
         <p:spPr>
           <a:xfrm>
-            <a:off x="7180521" y="1119963"/>
+            <a:off x="7988591" y="1119963"/>
             <a:ext cx="1205023" cy="369332"/>
           </a:xfrm>
           <a:prstGeom prst="rect">
@@ -3780,10 +3785,10 @@
       </p:sp>
       <p:cxnSp>
         <p:nvCxnSpPr>
-          <p:cNvPr id="23" name="직선 화살표 연결선 22">
-            <a:extLst>
-              <a:ext uri="{FF2B5EF4-FFF2-40B4-BE49-F238E27FC236}">
-                <a16:creationId xmlns:a16="http://schemas.microsoft.com/office/drawing/2014/main" id="{0739B88E-54D1-8599-C2A6-2E821EFA8387}"/>
+          <p:cNvPr id="25" name="직선 화살표 연결선 24">
+            <a:extLst>
+              <a:ext uri="{FF2B5EF4-FFF2-40B4-BE49-F238E27FC236}">
+                <a16:creationId xmlns:a16="http://schemas.microsoft.com/office/drawing/2014/main" id="{EDA3D0CA-9C3F-12DA-AC3A-5639B4426D55}"/>
               </a:ext>
             </a:extLst>
           </p:cNvPr>
@@ -3791,9 +3796,236 @@
           <p:nvPr/>
         </p:nvCxnSpPr>
         <p:spPr>
-          <a:xfrm flipH="1">
-            <a:off x="6280297" y="1438940"/>
-            <a:ext cx="765545" cy="0"/>
+          <a:xfrm>
+            <a:off x="5309191" y="1694121"/>
+            <a:ext cx="0" cy="1467293"/>
+          </a:xfrm>
+          <a:prstGeom prst="straightConnector1">
+            <a:avLst/>
+          </a:prstGeom>
+          <a:ln>
+            <a:tailEnd type="triangle"/>
+          </a:ln>
+        </p:spPr>
+        <p:style>
+          <a:lnRef idx="2">
+            <a:schemeClr val="accent1"/>
+          </a:lnRef>
+          <a:fillRef idx="0">
+            <a:schemeClr val="accent1"/>
+          </a:fillRef>
+          <a:effectRef idx="1">
+            <a:schemeClr val="accent1"/>
+          </a:effectRef>
+          <a:fontRef idx="minor">
+            <a:schemeClr val="tx1"/>
+          </a:fontRef>
+        </p:style>
+      </p:cxnSp>
+      <p:sp>
+        <p:nvSpPr>
+          <p:cNvPr id="26" name="TextBox 25">
+            <a:extLst>
+              <a:ext uri="{FF2B5EF4-FFF2-40B4-BE49-F238E27FC236}">
+                <a16:creationId xmlns:a16="http://schemas.microsoft.com/office/drawing/2014/main" id="{C43A7130-B289-332D-F3D2-A3C403D5CA26}"/>
+              </a:ext>
+            </a:extLst>
+          </p:cNvPr>
+          <p:cNvSpPr txBox="1"/>
+          <p:nvPr/>
+        </p:nvSpPr>
+        <p:spPr>
+          <a:xfrm>
+            <a:off x="4628707" y="3429000"/>
+            <a:ext cx="1882247" cy="369332"/>
+          </a:xfrm>
+          <a:prstGeom prst="rect">
+            <a:avLst/>
+          </a:prstGeom>
+          <a:noFill/>
+        </p:spPr>
+        <p:txBody>
+          <a:bodyPr wrap="none" rtlCol="0">
+            <a:spAutoFit/>
+          </a:bodyPr>
+          <a:lstStyle/>
+          <a:p>
+            <a:r>
+              <a:rPr lang="ko-KR" altLang="en-US" dirty="0"/>
+              <a:t>캐릭터설정 화면</a:t>
+            </a:r>
+          </a:p>
+        </p:txBody>
+      </p:sp>
+      <p:cxnSp>
+        <p:nvCxnSpPr>
+          <p:cNvPr id="28" name="직선 화살표 연결선 27">
+            <a:extLst>
+              <a:ext uri="{FF2B5EF4-FFF2-40B4-BE49-F238E27FC236}">
+                <a16:creationId xmlns:a16="http://schemas.microsoft.com/office/drawing/2014/main" id="{9BBE74C4-0C49-3677-4F29-1ED89F375AEB}"/>
+              </a:ext>
+            </a:extLst>
+          </p:cNvPr>
+          <p:cNvCxnSpPr/>
+          <p:nvPr/>
+        </p:nvCxnSpPr>
+        <p:spPr>
+          <a:xfrm flipV="1">
+            <a:off x="5578549" y="1694121"/>
+            <a:ext cx="0" cy="1403498"/>
+          </a:xfrm>
+          <a:prstGeom prst="straightConnector1">
+            <a:avLst/>
+          </a:prstGeom>
+          <a:ln>
+            <a:tailEnd type="triangle"/>
+          </a:ln>
+        </p:spPr>
+        <p:style>
+          <a:lnRef idx="2">
+            <a:schemeClr val="accent1"/>
+          </a:lnRef>
+          <a:fillRef idx="0">
+            <a:schemeClr val="accent1"/>
+          </a:fillRef>
+          <a:effectRef idx="1">
+            <a:schemeClr val="accent1"/>
+          </a:effectRef>
+          <a:fontRef idx="minor">
+            <a:schemeClr val="tx1"/>
+          </a:fontRef>
+        </p:style>
+      </p:cxnSp>
+      <p:sp>
+        <p:nvSpPr>
+          <p:cNvPr id="30" name="TextBox 29">
+            <a:extLst>
+              <a:ext uri="{FF2B5EF4-FFF2-40B4-BE49-F238E27FC236}">
+                <a16:creationId xmlns:a16="http://schemas.microsoft.com/office/drawing/2014/main" id="{02943498-506D-F7DB-8E42-41D73A8EEDD4}"/>
+              </a:ext>
+            </a:extLst>
+          </p:cNvPr>
+          <p:cNvSpPr txBox="1"/>
+          <p:nvPr/>
+        </p:nvSpPr>
+        <p:spPr>
+          <a:xfrm>
+            <a:off x="2672314" y="382772"/>
+            <a:ext cx="1056167" cy="369332"/>
+          </a:xfrm>
+          <a:prstGeom prst="rect">
+            <a:avLst/>
+          </a:prstGeom>
+          <a:noFill/>
+        </p:spPr>
+        <p:txBody>
+          <a:bodyPr wrap="square" rtlCol="0">
+            <a:spAutoFit/>
+          </a:bodyPr>
+          <a:lstStyle/>
+          <a:p>
+            <a:r>
+              <a:rPr lang="ko-KR" altLang="en-US" dirty="0"/>
+              <a:t>로딩</a:t>
+            </a:r>
+            <a:endParaRPr lang="en-US" altLang="ko-KR" dirty="0"/>
+          </a:p>
+        </p:txBody>
+      </p:sp>
+      <p:cxnSp>
+        <p:nvCxnSpPr>
+          <p:cNvPr id="32" name="직선 화살표 연결선 31">
+            <a:extLst>
+              <a:ext uri="{FF2B5EF4-FFF2-40B4-BE49-F238E27FC236}">
+                <a16:creationId xmlns:a16="http://schemas.microsoft.com/office/drawing/2014/main" id="{4E9EB944-B303-8B79-4B10-5A97A8045EEB}"/>
+              </a:ext>
+            </a:extLst>
+          </p:cNvPr>
+          <p:cNvCxnSpPr/>
+          <p:nvPr/>
+        </p:nvCxnSpPr>
+        <p:spPr>
+          <a:xfrm>
+            <a:off x="3255334" y="574895"/>
+            <a:ext cx="336696" cy="64164"/>
+          </a:xfrm>
+          <a:prstGeom prst="straightConnector1">
+            <a:avLst/>
+          </a:prstGeom>
+          <a:ln>
+            <a:tailEnd type="triangle"/>
+          </a:ln>
+        </p:spPr>
+        <p:style>
+          <a:lnRef idx="2">
+            <a:schemeClr val="accent1"/>
+          </a:lnRef>
+          <a:fillRef idx="0">
+            <a:schemeClr val="accent1"/>
+          </a:fillRef>
+          <a:effectRef idx="1">
+            <a:schemeClr val="accent1"/>
+          </a:effectRef>
+          <a:fontRef idx="minor">
+            <a:schemeClr val="tx1"/>
+          </a:fontRef>
+        </p:style>
+      </p:cxnSp>
+      <p:sp>
+        <p:nvSpPr>
+          <p:cNvPr id="2" name="TextBox 1">
+            <a:extLst>
+              <a:ext uri="{FF2B5EF4-FFF2-40B4-BE49-F238E27FC236}">
+                <a16:creationId xmlns:a16="http://schemas.microsoft.com/office/drawing/2014/main" id="{C15FEB8E-DAAC-6D18-710A-9535D2E8DF34}"/>
+              </a:ext>
+            </a:extLst>
+          </p:cNvPr>
+          <p:cNvSpPr txBox="1"/>
+          <p:nvPr/>
+        </p:nvSpPr>
+        <p:spPr>
+          <a:xfrm>
+            <a:off x="6337001" y="1119963"/>
+            <a:ext cx="1056167" cy="369332"/>
+          </a:xfrm>
+          <a:prstGeom prst="rect">
+            <a:avLst/>
+          </a:prstGeom>
+          <a:noFill/>
+        </p:spPr>
+        <p:txBody>
+          <a:bodyPr wrap="square" rtlCol="0">
+            <a:spAutoFit/>
+          </a:bodyPr>
+          <a:lstStyle/>
+          <a:p>
+            <a:r>
+              <a:rPr lang="ko-KR" altLang="en-US" dirty="0"/>
+              <a:t>로딩</a:t>
+            </a:r>
+            <a:endParaRPr lang="en-US" altLang="ko-KR" dirty="0"/>
+          </a:p>
+        </p:txBody>
+      </p:sp>
+      <p:cxnSp>
+        <p:nvCxnSpPr>
+          <p:cNvPr id="3" name="직선 화살표 연결선 2">
+            <a:extLst>
+              <a:ext uri="{FF2B5EF4-FFF2-40B4-BE49-F238E27FC236}">
+                <a16:creationId xmlns:a16="http://schemas.microsoft.com/office/drawing/2014/main" id="{0668BE4F-9EBE-9754-FF73-D811A051F376}"/>
+              </a:ext>
+            </a:extLst>
+          </p:cNvPr>
+          <p:cNvCxnSpPr>
+            <a:cxnSpLocks/>
+            <a:endCxn id="2" idx="1"/>
+          </p:cNvCxnSpPr>
+          <p:nvPr/>
+        </p:nvCxnSpPr>
+        <p:spPr>
+          <a:xfrm>
+            <a:off x="6096000" y="1304629"/>
+            <a:ext cx="241001" cy="0"/>
           </a:xfrm>
           <a:prstGeom prst="straightConnector1">
             <a:avLst/>
@@ -3819,172 +4051,29 @@
       </p:cxnSp>
       <p:cxnSp>
         <p:nvCxnSpPr>
-          <p:cNvPr id="25" name="직선 화살표 연결선 24">
-            <a:extLst>
-              <a:ext uri="{FF2B5EF4-FFF2-40B4-BE49-F238E27FC236}">
-                <a16:creationId xmlns:a16="http://schemas.microsoft.com/office/drawing/2014/main" id="{EDA3D0CA-9C3F-12DA-AC3A-5639B4426D55}"/>
-              </a:ext>
-            </a:extLst>
-          </p:cNvPr>
-          <p:cNvCxnSpPr/>
+          <p:cNvPr id="15" name="연결선: 꺾임 14">
+            <a:extLst>
+              <a:ext uri="{FF2B5EF4-FFF2-40B4-BE49-F238E27FC236}">
+                <a16:creationId xmlns:a16="http://schemas.microsoft.com/office/drawing/2014/main" id="{C7B93E95-4036-2A87-91E8-CF1ECA2C9CDA}"/>
+              </a:ext>
+            </a:extLst>
+          </p:cNvPr>
+          <p:cNvCxnSpPr>
+            <a:cxnSpLocks/>
+            <a:stCxn id="21" idx="0"/>
+            <a:endCxn id="12" idx="0"/>
+          </p:cNvCxnSpPr>
           <p:nvPr/>
         </p:nvCxnSpPr>
         <p:spPr>
-          <a:xfrm>
-            <a:off x="5032744" y="1694121"/>
-            <a:ext cx="0" cy="1467293"/>
-          </a:xfrm>
-          <a:prstGeom prst="straightConnector1">
-            <a:avLst/>
-          </a:prstGeom>
-          <a:ln>
-            <a:tailEnd type="triangle"/>
-          </a:ln>
-        </p:spPr>
-        <p:style>
-          <a:lnRef idx="2">
-            <a:schemeClr val="accent1"/>
-          </a:lnRef>
-          <a:fillRef idx="0">
-            <a:schemeClr val="accent1"/>
-          </a:fillRef>
-          <a:effectRef idx="1">
-            <a:schemeClr val="accent1"/>
-          </a:effectRef>
-          <a:fontRef idx="minor">
-            <a:schemeClr val="tx1"/>
-          </a:fontRef>
-        </p:style>
-      </p:cxnSp>
-      <p:sp>
-        <p:nvSpPr>
-          <p:cNvPr id="26" name="TextBox 25">
-            <a:extLst>
-              <a:ext uri="{FF2B5EF4-FFF2-40B4-BE49-F238E27FC236}">
-                <a16:creationId xmlns:a16="http://schemas.microsoft.com/office/drawing/2014/main" id="{C43A7130-B289-332D-F3D2-A3C403D5CA26}"/>
-              </a:ext>
-            </a:extLst>
-          </p:cNvPr>
-          <p:cNvSpPr txBox="1"/>
-          <p:nvPr/>
-        </p:nvSpPr>
-        <p:spPr>
-          <a:xfrm>
-            <a:off x="4628707" y="3429000"/>
-            <a:ext cx="1882247" cy="369332"/>
-          </a:xfrm>
-          <a:prstGeom prst="rect">
-            <a:avLst/>
-          </a:prstGeom>
-          <a:noFill/>
-        </p:spPr>
-        <p:txBody>
-          <a:bodyPr wrap="none" rtlCol="0">
-            <a:spAutoFit/>
-          </a:bodyPr>
-          <a:lstStyle/>
-          <a:p>
-            <a:r>
-              <a:rPr lang="ko-KR" altLang="en-US" dirty="0"/>
-              <a:t>캐릭터설정 화면</a:t>
-            </a:r>
-          </a:p>
-        </p:txBody>
-      </p:sp>
-      <p:cxnSp>
-        <p:nvCxnSpPr>
-          <p:cNvPr id="28" name="직선 화살표 연결선 27">
-            <a:extLst>
-              <a:ext uri="{FF2B5EF4-FFF2-40B4-BE49-F238E27FC236}">
-                <a16:creationId xmlns:a16="http://schemas.microsoft.com/office/drawing/2014/main" id="{9BBE74C4-0C49-3677-4F29-1ED89F375AEB}"/>
-              </a:ext>
-            </a:extLst>
-          </p:cNvPr>
-          <p:cNvCxnSpPr/>
-          <p:nvPr/>
-        </p:nvCxnSpPr>
-        <p:spPr>
-          <a:xfrm flipV="1">
-            <a:off x="5578549" y="1694121"/>
-            <a:ext cx="0" cy="1403498"/>
-          </a:xfrm>
-          <a:prstGeom prst="straightConnector1">
-            <a:avLst/>
-          </a:prstGeom>
-          <a:ln>
-            <a:tailEnd type="triangle"/>
-          </a:ln>
-        </p:spPr>
-        <p:style>
-          <a:lnRef idx="2">
-            <a:schemeClr val="accent1"/>
-          </a:lnRef>
-          <a:fillRef idx="0">
-            <a:schemeClr val="accent1"/>
-          </a:fillRef>
-          <a:effectRef idx="1">
-            <a:schemeClr val="accent1"/>
-          </a:effectRef>
-          <a:fontRef idx="minor">
-            <a:schemeClr val="tx1"/>
-          </a:fontRef>
-        </p:style>
-      </p:cxnSp>
-      <p:sp>
-        <p:nvSpPr>
-          <p:cNvPr id="30" name="TextBox 29">
-            <a:extLst>
-              <a:ext uri="{FF2B5EF4-FFF2-40B4-BE49-F238E27FC236}">
-                <a16:creationId xmlns:a16="http://schemas.microsoft.com/office/drawing/2014/main" id="{02943498-506D-F7DB-8E42-41D73A8EEDD4}"/>
-              </a:ext>
-            </a:extLst>
-          </p:cNvPr>
-          <p:cNvSpPr txBox="1"/>
-          <p:nvPr/>
-        </p:nvSpPr>
-        <p:spPr>
-          <a:xfrm>
-            <a:off x="2672314" y="382772"/>
-            <a:ext cx="1056167" cy="369332"/>
-          </a:xfrm>
-          <a:prstGeom prst="rect">
-            <a:avLst/>
-          </a:prstGeom>
-          <a:noFill/>
-        </p:spPr>
-        <p:txBody>
-          <a:bodyPr wrap="square" rtlCol="0">
-            <a:spAutoFit/>
-          </a:bodyPr>
-          <a:lstStyle/>
-          <a:p>
-            <a:r>
-              <a:rPr lang="ko-KR" altLang="en-US" dirty="0"/>
-              <a:t>로딩</a:t>
-            </a:r>
-            <a:endParaRPr lang="en-US" altLang="ko-KR" dirty="0"/>
-          </a:p>
-        </p:txBody>
-      </p:sp>
-      <p:cxnSp>
-        <p:nvCxnSpPr>
-          <p:cNvPr id="32" name="직선 화살표 연결선 31">
-            <a:extLst>
-              <a:ext uri="{FF2B5EF4-FFF2-40B4-BE49-F238E27FC236}">
-                <a16:creationId xmlns:a16="http://schemas.microsoft.com/office/drawing/2014/main" id="{4E9EB944-B303-8B79-4B10-5A97A8045EEB}"/>
-              </a:ext>
-            </a:extLst>
-          </p:cNvPr>
-          <p:cNvCxnSpPr/>
-          <p:nvPr/>
-        </p:nvCxnSpPr>
-        <p:spPr>
-          <a:xfrm>
-            <a:off x="3255334" y="574895"/>
-            <a:ext cx="336696" cy="64164"/>
-          </a:xfrm>
-          <a:prstGeom prst="straightConnector1">
-            <a:avLst/>
+          <a:xfrm rot="16200000" flipV="1">
+            <a:off x="7074194" y="-396947"/>
+            <a:ext cx="12700" cy="3033819"/>
+          </a:xfrm>
+          <a:prstGeom prst="bentConnector3">
+            <a:avLst>
+              <a:gd name="adj1" fmla="val 1800000"/>
+            </a:avLst>
           </a:prstGeom>
           <a:ln>
             <a:tailEnd type="triangle"/>
